--- a/CTOS-Admin-V1.1.pptx
+++ b/CTOS-Admin-V1.1.pptx
@@ -6152,6 +6152,282 @@
           </a:p>
         </p:txBody>
       </p:sp>
+      <p:sp>
+        <p:nvSpPr>
+          <p:cNvPr id="17" name="TextBox 1">
+            <a:extLst>
+              <a:ext uri="{FF2B5EF4-FFF2-40B4-BE49-F238E27FC236}">
+                <a16:creationId xmlns:a16="http://schemas.microsoft.com/office/drawing/2014/main" id="{EA8CF590-3E21-1E43-9105-6CAA19D9821C}"/>
+              </a:ext>
+            </a:extLst>
+          </p:cNvPr>
+          <p:cNvSpPr txBox="1"/>
+          <p:nvPr/>
+        </p:nvSpPr>
+        <p:spPr>
+          <a:xfrm>
+            <a:off x="326535" y="5721815"/>
+            <a:ext cx="8903269" cy="5047536"/>
+          </a:xfrm>
+          <a:prstGeom prst="rect">
+            <a:avLst/>
+          </a:prstGeom>
+          <a:solidFill>
+            <a:schemeClr val="bg1"/>
+          </a:solidFill>
+        </p:spPr>
+        <p:txBody>
+          <a:bodyPr wrap="square" rtlCol="0">
+            <a:spAutoFit/>
+          </a:bodyPr>
+          <a:lstStyle>
+            <a:lvl1pPr marL="0" indent="0">
+              <a:defRPr sz="1100">
+                <a:latin typeface="+mn-lt"/>
+                <a:ea typeface="+mn-ea"/>
+                <a:cs typeface="+mn-cs"/>
+              </a:defRPr>
+            </a:lvl1pPr>
+            <a:lvl2pPr marL="457200" indent="0">
+              <a:defRPr sz="1100">
+                <a:latin typeface="+mn-lt"/>
+                <a:ea typeface="+mn-ea"/>
+                <a:cs typeface="+mn-cs"/>
+              </a:defRPr>
+            </a:lvl2pPr>
+            <a:lvl3pPr marL="914400" indent="0">
+              <a:defRPr sz="1100">
+                <a:latin typeface="+mn-lt"/>
+                <a:ea typeface="+mn-ea"/>
+                <a:cs typeface="+mn-cs"/>
+              </a:defRPr>
+            </a:lvl3pPr>
+            <a:lvl4pPr marL="1371600" indent="0">
+              <a:defRPr sz="1100">
+                <a:latin typeface="+mn-lt"/>
+                <a:ea typeface="+mn-ea"/>
+                <a:cs typeface="+mn-cs"/>
+              </a:defRPr>
+            </a:lvl4pPr>
+            <a:lvl5pPr marL="1828800" indent="0">
+              <a:defRPr sz="1100">
+                <a:latin typeface="+mn-lt"/>
+                <a:ea typeface="+mn-ea"/>
+                <a:cs typeface="+mn-cs"/>
+              </a:defRPr>
+            </a:lvl5pPr>
+            <a:lvl6pPr marL="2286000" indent="0">
+              <a:defRPr sz="1100">
+                <a:latin typeface="+mn-lt"/>
+                <a:ea typeface="+mn-ea"/>
+                <a:cs typeface="+mn-cs"/>
+              </a:defRPr>
+            </a:lvl6pPr>
+            <a:lvl7pPr marL="2743200" indent="0">
+              <a:defRPr sz="1100">
+                <a:latin typeface="+mn-lt"/>
+                <a:ea typeface="+mn-ea"/>
+                <a:cs typeface="+mn-cs"/>
+              </a:defRPr>
+            </a:lvl7pPr>
+            <a:lvl8pPr marL="3200400" indent="0">
+              <a:defRPr sz="1100">
+                <a:latin typeface="+mn-lt"/>
+                <a:ea typeface="+mn-ea"/>
+                <a:cs typeface="+mn-cs"/>
+              </a:defRPr>
+            </a:lvl8pPr>
+            <a:lvl9pPr marL="3657600" indent="0">
+              <a:defRPr sz="1100">
+                <a:latin typeface="+mn-lt"/>
+                <a:ea typeface="+mn-ea"/>
+                <a:cs typeface="+mn-cs"/>
+              </a:defRPr>
+            </a:lvl9pPr>
+          </a:lstStyle>
+          <a:p>
+            <a:r>
+              <a:rPr lang="en-CA" sz="1400" b="1" dirty="0"/>
+              <a:t>Common rules</a:t>
+            </a:r>
+          </a:p>
+          <a:p>
+            <a:r>
+              <a:rPr lang="en-CA" sz="1400" dirty="0"/>
+              <a:t>Resolution &gt; 1024(min) x 768  AND 1280 x 720(min) </a:t>
+            </a:r>
+          </a:p>
+          <a:p>
+            <a:endParaRPr lang="en-CA" sz="1400" dirty="0"/>
+          </a:p>
+          <a:p>
+            <a:r>
+              <a:rPr lang="en-CA" sz="1400" dirty="0"/>
+              <a:t>Border &gt; nested 30 pixels from the edges with a grid line to next the titles</a:t>
+            </a:r>
+          </a:p>
+          <a:p>
+            <a:endParaRPr lang="en-CA" sz="1400" dirty="0"/>
+          </a:p>
+          <a:p>
+            <a:r>
+              <a:rPr lang="en-CA" sz="1400" dirty="0"/>
+              <a:t>Kepstrum Logo &gt; Kepstrum-jpeg-100x100-top right corner</a:t>
+            </a:r>
+          </a:p>
+          <a:p>
+            <a:endParaRPr lang="en-CA" sz="1400" dirty="0"/>
+          </a:p>
+          <a:p>
+            <a:r>
+              <a:rPr lang="en-CA" sz="1400" dirty="0"/>
+              <a:t>Label-title-{Open an Existing Project}-Background-Purple-Text-18-Black</a:t>
+            </a:r>
+          </a:p>
+          <a:p>
+            <a:endParaRPr lang="en-CA" sz="1400" dirty="0">
+              <a:solidFill>
+                <a:srgbClr val="FF0000"/>
+              </a:solidFill>
+            </a:endParaRPr>
+          </a:p>
+          <a:p>
+            <a:r>
+              <a:rPr lang="en-CA" sz="1400" dirty="0"/>
+              <a:t>Label-/Model/Folder ID/-Background-Orange-Text-12-Black</a:t>
+            </a:r>
+          </a:p>
+          <a:p>
+            <a:r>
+              <a:rPr lang="en-CA" sz="1400" dirty="0"/>
+              <a:t>Fixed-field-/String/-Background-Green-Text 12-Black &gt; </a:t>
+            </a:r>
+            <a:r>
+              <a:rPr lang="en-CA" sz="1400" dirty="0">
+                <a:solidFill>
+                  <a:srgbClr val="FF0000"/>
+                </a:solidFill>
+              </a:rPr>
+              <a:t>DB-{Model}</a:t>
+            </a:r>
+          </a:p>
+          <a:p>
+            <a:endParaRPr lang="en-CA" sz="1400" dirty="0"/>
+          </a:p>
+          <a:p>
+            <a:r>
+              <a:rPr lang="en-CA" sz="1400" dirty="0"/>
+              <a:t>Label-/User Name/-Background-Orange-Text-12-Black</a:t>
+            </a:r>
+          </a:p>
+          <a:p>
+            <a:r>
+              <a:rPr lang="en-CA" sz="1400" dirty="0"/>
+              <a:t>Fixed-field-/</a:t>
+            </a:r>
+            <a:r>
+              <a:rPr lang="en-CA" sz="1400" dirty="0">
+                <a:solidFill>
+                  <a:srgbClr val="FF0000"/>
+                </a:solidFill>
+              </a:rPr>
+              <a:t>String</a:t>
+            </a:r>
+            <a:r>
+              <a:rPr lang="en-CA" sz="1400" dirty="0"/>
+              <a:t>/-Background-Grey-Text 12-Black &gt; </a:t>
+            </a:r>
+            <a:r>
+              <a:rPr lang="en-CA" sz="1400" dirty="0">
+                <a:solidFill>
+                  <a:srgbClr val="FF0000"/>
+                </a:solidFill>
+              </a:rPr>
+              <a:t>DB-{Users}</a:t>
+            </a:r>
+          </a:p>
+          <a:p>
+            <a:endParaRPr lang="en-CA" sz="1400" dirty="0">
+              <a:solidFill>
+                <a:srgbClr val="FF0000"/>
+              </a:solidFill>
+            </a:endParaRPr>
+          </a:p>
+          <a:p>
+            <a:r>
+              <a:rPr lang="en-CA" sz="1400" dirty="0"/>
+              <a:t>Label-/Access Code/-Background-Orange-Text-12-Black</a:t>
+            </a:r>
+          </a:p>
+          <a:p>
+            <a:r>
+              <a:rPr lang="en-CA" sz="1400" dirty="0"/>
+              <a:t>Fixed-field-/</a:t>
+            </a:r>
+            <a:r>
+              <a:rPr lang="en-CA" sz="1400" dirty="0">
+                <a:solidFill>
+                  <a:srgbClr val="FF0000"/>
+                </a:solidFill>
+              </a:rPr>
+              <a:t>String</a:t>
+            </a:r>
+            <a:r>
+              <a:rPr lang="en-CA" sz="1400" dirty="0"/>
+              <a:t>/-Background-Grey-Text 12-Black &gt; </a:t>
+            </a:r>
+            <a:r>
+              <a:rPr lang="en-CA" sz="1400" dirty="0">
+                <a:solidFill>
+                  <a:srgbClr val="FF0000"/>
+                </a:solidFill>
+              </a:rPr>
+              <a:t>DB-{AccessCodes}</a:t>
+            </a:r>
+          </a:p>
+          <a:p>
+            <a:endParaRPr lang="en-CA" sz="1400" dirty="0">
+              <a:solidFill>
+                <a:srgbClr val="FF0000"/>
+              </a:solidFill>
+            </a:endParaRPr>
+          </a:p>
+          <a:p>
+            <a:r>
+              <a:rPr lang="en-CA" sz="1400" dirty="0"/>
+              <a:t>Action-button-/Login to Revision Log/-Background-Pink-Text-12-Black &gt;  </a:t>
+            </a:r>
+            <a:r>
+              <a:rPr lang="en-CA" sz="1400" dirty="0">
+                <a:solidFill>
+                  <a:srgbClr val="FF0000"/>
+                </a:solidFill>
+              </a:rPr>
+              <a:t>If user name and code match up, then redirect to [Revision Log], else error</a:t>
+            </a:r>
+          </a:p>
+          <a:p>
+            <a:endParaRPr lang="en-CA" sz="1400" dirty="0"/>
+          </a:p>
+          <a:p>
+            <a:r>
+              <a:rPr lang="en-CA" sz="1400" dirty="0"/>
+              <a:t>Action-button-/New Project Registration?/-Background-Pink-Text-12-Black &gt; </a:t>
+            </a:r>
+            <a:r>
+              <a:rPr lang="en-CA" sz="1400" dirty="0">
+                <a:solidFill>
+                  <a:srgbClr val="FF0000"/>
+                </a:solidFill>
+              </a:rPr>
+              <a:t>redirect to [???]</a:t>
+            </a:r>
+          </a:p>
+          <a:p>
+            <a:endParaRPr lang="en-CA" sz="1400" dirty="0"/>
+          </a:p>
+        </p:txBody>
+      </p:sp>
     </p:spTree>
     <p:extLst>
       <p:ext uri="{BB962C8B-B14F-4D97-AF65-F5344CB8AC3E}">
@@ -13868,6 +14144,480 @@
                 </a:solidFill>
               </a:rPr>
               <a:t>Release</a:t>
+            </a:r>
+          </a:p>
+        </p:txBody>
+      </p:sp>
+      <p:sp>
+        <p:nvSpPr>
+          <p:cNvPr id="37" name="TextBox 1">
+            <a:extLst>
+              <a:ext uri="{FF2B5EF4-FFF2-40B4-BE49-F238E27FC236}">
+                <a16:creationId xmlns:a16="http://schemas.microsoft.com/office/drawing/2014/main" id="{19925BF1-A26E-BE4A-84B0-35CA5B6D1E68}"/>
+              </a:ext>
+            </a:extLst>
+          </p:cNvPr>
+          <p:cNvSpPr txBox="1"/>
+          <p:nvPr/>
+        </p:nvSpPr>
+        <p:spPr>
+          <a:xfrm>
+            <a:off x="14971898" y="7478225"/>
+            <a:ext cx="8903269" cy="8494633"/>
+          </a:xfrm>
+          <a:prstGeom prst="rect">
+            <a:avLst/>
+          </a:prstGeom>
+          <a:solidFill>
+            <a:schemeClr val="bg1"/>
+          </a:solidFill>
+        </p:spPr>
+        <p:txBody>
+          <a:bodyPr wrap="square" rtlCol="0">
+            <a:spAutoFit/>
+          </a:bodyPr>
+          <a:lstStyle>
+            <a:lvl1pPr marL="0" indent="0">
+              <a:defRPr sz="1100">
+                <a:latin typeface="+mn-lt"/>
+                <a:ea typeface="+mn-ea"/>
+                <a:cs typeface="+mn-cs"/>
+              </a:defRPr>
+            </a:lvl1pPr>
+            <a:lvl2pPr marL="457200" indent="0">
+              <a:defRPr sz="1100">
+                <a:latin typeface="+mn-lt"/>
+                <a:ea typeface="+mn-ea"/>
+                <a:cs typeface="+mn-cs"/>
+              </a:defRPr>
+            </a:lvl2pPr>
+            <a:lvl3pPr marL="914400" indent="0">
+              <a:defRPr sz="1100">
+                <a:latin typeface="+mn-lt"/>
+                <a:ea typeface="+mn-ea"/>
+                <a:cs typeface="+mn-cs"/>
+              </a:defRPr>
+            </a:lvl3pPr>
+            <a:lvl4pPr marL="1371600" indent="0">
+              <a:defRPr sz="1100">
+                <a:latin typeface="+mn-lt"/>
+                <a:ea typeface="+mn-ea"/>
+                <a:cs typeface="+mn-cs"/>
+              </a:defRPr>
+            </a:lvl4pPr>
+            <a:lvl5pPr marL="1828800" indent="0">
+              <a:defRPr sz="1100">
+                <a:latin typeface="+mn-lt"/>
+                <a:ea typeface="+mn-ea"/>
+                <a:cs typeface="+mn-cs"/>
+              </a:defRPr>
+            </a:lvl5pPr>
+            <a:lvl6pPr marL="2286000" indent="0">
+              <a:defRPr sz="1100">
+                <a:latin typeface="+mn-lt"/>
+                <a:ea typeface="+mn-ea"/>
+                <a:cs typeface="+mn-cs"/>
+              </a:defRPr>
+            </a:lvl6pPr>
+            <a:lvl7pPr marL="2743200" indent="0">
+              <a:defRPr sz="1100">
+                <a:latin typeface="+mn-lt"/>
+                <a:ea typeface="+mn-ea"/>
+                <a:cs typeface="+mn-cs"/>
+              </a:defRPr>
+            </a:lvl7pPr>
+            <a:lvl8pPr marL="3200400" indent="0">
+              <a:defRPr sz="1100">
+                <a:latin typeface="+mn-lt"/>
+                <a:ea typeface="+mn-ea"/>
+                <a:cs typeface="+mn-cs"/>
+              </a:defRPr>
+            </a:lvl8pPr>
+            <a:lvl9pPr marL="3657600" indent="0">
+              <a:defRPr sz="1100">
+                <a:latin typeface="+mn-lt"/>
+                <a:ea typeface="+mn-ea"/>
+                <a:cs typeface="+mn-cs"/>
+              </a:defRPr>
+            </a:lvl9pPr>
+          </a:lstStyle>
+          <a:p>
+            <a:r>
+              <a:rPr lang="en-CA" sz="1400" b="1" dirty="0"/>
+              <a:t>Common rules</a:t>
+            </a:r>
+          </a:p>
+          <a:p>
+            <a:r>
+              <a:rPr lang="en-CA" sz="1400" dirty="0"/>
+              <a:t>Resolution &gt; 1024(min) x 768  AND 1280 x 720(min) </a:t>
+            </a:r>
+          </a:p>
+          <a:p>
+            <a:endParaRPr lang="en-CA" sz="1400" dirty="0"/>
+          </a:p>
+          <a:p>
+            <a:r>
+              <a:rPr lang="en-CA" sz="1400" dirty="0"/>
+              <a:t>Border &gt; nested 30 pixels from the edges with a grid line to next the titles</a:t>
+            </a:r>
+          </a:p>
+          <a:p>
+            <a:endParaRPr lang="en-CA" sz="1400" dirty="0"/>
+          </a:p>
+          <a:p>
+            <a:r>
+              <a:rPr lang="en-CA" sz="1400" dirty="0"/>
+              <a:t>Kepstrum Logo &gt; Kepstrum-jpeg-100x100-top right corner</a:t>
+            </a:r>
+          </a:p>
+          <a:p>
+            <a:endParaRPr lang="en-CA" sz="1400" dirty="0"/>
+          </a:p>
+          <a:p>
+            <a:r>
+              <a:rPr lang="en-CA" sz="1400" dirty="0"/>
+              <a:t>Company Logo &gt; Insert-jpeg-100x100-designated-position</a:t>
+            </a:r>
+          </a:p>
+          <a:p>
+            <a:endParaRPr lang="en-CA" sz="1400" dirty="0"/>
+          </a:p>
+          <a:p>
+            <a:r>
+              <a:rPr lang="en-CA" sz="1400" dirty="0"/>
+              <a:t>Label-title-{Create New Project}-Background-Purple-Text-18-Black</a:t>
+            </a:r>
+          </a:p>
+          <a:p>
+            <a:endParaRPr lang="en-CA" sz="1400" dirty="0">
+              <a:solidFill>
+                <a:srgbClr val="FF0000"/>
+              </a:solidFill>
+            </a:endParaRPr>
+          </a:p>
+          <a:p>
+            <a:r>
+              <a:rPr lang="en-CA" sz="1400" dirty="0"/>
+              <a:t>Label-/New Model/Folder/Data Base ID/-Background-Orange-Text-12-Black</a:t>
+            </a:r>
+          </a:p>
+          <a:p>
+            <a:r>
+              <a:rPr lang="en-CA" sz="1400" dirty="0"/>
+              <a:t>Fixed-field-/String/-Background-Green-Text 12-Black &gt; </a:t>
+            </a:r>
+            <a:r>
+              <a:rPr lang="en-CA" sz="1400" dirty="0">
+                <a:solidFill>
+                  <a:srgbClr val="FF0000"/>
+                </a:solidFill>
+              </a:rPr>
+              <a:t>DB-{Model}</a:t>
+            </a:r>
+          </a:p>
+          <a:p>
+            <a:endParaRPr lang="en-CA" sz="1400" dirty="0"/>
+          </a:p>
+          <a:p>
+            <a:r>
+              <a:rPr lang="en-CA" sz="1400" dirty="0"/>
+              <a:t>Label-/Company/Division Name/-Background-Orange-Text-12-Black</a:t>
+            </a:r>
+          </a:p>
+          <a:p>
+            <a:r>
+              <a:rPr lang="en-CA" sz="1400" dirty="0"/>
+              <a:t>Fixed-field-/</a:t>
+            </a:r>
+            <a:r>
+              <a:rPr lang="en-CA" sz="1400" dirty="0">
+                <a:solidFill>
+                  <a:srgbClr val="FF0000"/>
+                </a:solidFill>
+              </a:rPr>
+              <a:t>String</a:t>
+            </a:r>
+            <a:r>
+              <a:rPr lang="en-CA" sz="1400" dirty="0"/>
+              <a:t>/-Background-Grey-Text 12-Black &gt; </a:t>
+            </a:r>
+            <a:r>
+              <a:rPr lang="en-CA" sz="1400" dirty="0">
+                <a:solidFill>
+                  <a:srgbClr val="FF0000"/>
+                </a:solidFill>
+              </a:rPr>
+              <a:t>DB-{Company}</a:t>
+            </a:r>
+          </a:p>
+          <a:p>
+            <a:endParaRPr lang="en-CA" sz="1400" dirty="0">
+              <a:solidFill>
+                <a:srgbClr val="FF0000"/>
+              </a:solidFill>
+            </a:endParaRPr>
+          </a:p>
+          <a:p>
+            <a:r>
+              <a:rPr lang="en-CA" sz="1400" dirty="0"/>
+              <a:t>Label-/Server Path/-Background-Orange-Text-12-Black</a:t>
+            </a:r>
+          </a:p>
+          <a:p>
+            <a:r>
+              <a:rPr lang="en-CA" sz="1400" dirty="0"/>
+              <a:t>Fixed-field-/</a:t>
+            </a:r>
+            <a:r>
+              <a:rPr lang="en-CA" sz="1400" dirty="0">
+                <a:solidFill>
+                  <a:srgbClr val="FF0000"/>
+                </a:solidFill>
+              </a:rPr>
+              <a:t>String</a:t>
+            </a:r>
+            <a:r>
+              <a:rPr lang="en-CA" sz="1400" dirty="0"/>
+              <a:t>/-Background-Grey-Text 12-Black &gt; </a:t>
+            </a:r>
+            <a:r>
+              <a:rPr lang="en-CA" sz="1400" dirty="0">
+                <a:solidFill>
+                  <a:srgbClr val="FF0000"/>
+                </a:solidFill>
+              </a:rPr>
+              <a:t>DB-{</a:t>
+            </a:r>
+            <a:r>
+              <a:rPr lang="en-CA" sz="1400" dirty="0" err="1">
+                <a:solidFill>
+                  <a:srgbClr val="FF0000"/>
+                </a:solidFill>
+              </a:rPr>
+              <a:t>ServerPath</a:t>
+            </a:r>
+            <a:r>
+              <a:rPr lang="en-CA" sz="1400" dirty="0">
+                <a:solidFill>
+                  <a:srgbClr val="FF0000"/>
+                </a:solidFill>
+              </a:rPr>
+              <a:t>}</a:t>
+            </a:r>
+          </a:p>
+          <a:p>
+            <a:endParaRPr lang="en-CA" sz="1400" dirty="0">
+              <a:solidFill>
+                <a:srgbClr val="FF0000"/>
+              </a:solidFill>
+            </a:endParaRPr>
+          </a:p>
+          <a:p>
+            <a:r>
+              <a:rPr lang="en-CA" sz="1400" dirty="0"/>
+              <a:t>Label-/Date/-Background-Orange-Text-12-Black</a:t>
+            </a:r>
+          </a:p>
+          <a:p>
+            <a:r>
+              <a:rPr lang="en-CA" sz="1400" dirty="0"/>
+              <a:t>Fixed-field-/</a:t>
+            </a:r>
+            <a:r>
+              <a:rPr lang="en-CA" sz="1400" dirty="0">
+                <a:solidFill>
+                  <a:srgbClr val="FF0000"/>
+                </a:solidFill>
+              </a:rPr>
+              <a:t>YY-MM-DD</a:t>
+            </a:r>
+            <a:r>
+              <a:rPr lang="en-CA" sz="1400" dirty="0"/>
+              <a:t>/-Background-Grey-Text 12-Black &gt; </a:t>
+            </a:r>
+            <a:r>
+              <a:rPr lang="en-CA" sz="1400" dirty="0">
+                <a:solidFill>
+                  <a:srgbClr val="FF0000"/>
+                </a:solidFill>
+              </a:rPr>
+              <a:t>DB-{Revision Control}</a:t>
+            </a:r>
+          </a:p>
+          <a:p>
+            <a:endParaRPr lang="en-CA" sz="1400" dirty="0"/>
+          </a:p>
+          <a:p>
+            <a:r>
+              <a:rPr lang="en-CA" sz="1400" dirty="0"/>
+              <a:t>Label-/Lead Code/-Background-Orange-Text-12-Black</a:t>
+            </a:r>
+          </a:p>
+          <a:p>
+            <a:r>
+              <a:rPr lang="en-CA" sz="1400" dirty="0"/>
+              <a:t>Fixed-field-/</a:t>
+            </a:r>
+            <a:r>
+              <a:rPr lang="en-CA" sz="1400" dirty="0">
+                <a:solidFill>
+                  <a:srgbClr val="FF0000"/>
+                </a:solidFill>
+              </a:rPr>
+              <a:t>String</a:t>
+            </a:r>
+            <a:r>
+              <a:rPr lang="en-CA" sz="1400" dirty="0"/>
+              <a:t>/-Background-Grey-Text 12-Black &gt; </a:t>
+            </a:r>
+            <a:r>
+              <a:rPr lang="en-CA" sz="1400" dirty="0">
+                <a:solidFill>
+                  <a:srgbClr val="FF0000"/>
+                </a:solidFill>
+              </a:rPr>
+              <a:t>DB-{AccessCodes}</a:t>
+            </a:r>
+          </a:p>
+          <a:p>
+            <a:endParaRPr lang="en-CA" sz="1400" dirty="0">
+              <a:solidFill>
+                <a:srgbClr val="FF0000"/>
+              </a:solidFill>
+            </a:endParaRPr>
+          </a:p>
+          <a:p>
+            <a:r>
+              <a:rPr lang="en-CA" sz="1400" dirty="0"/>
+              <a:t>Label-/Upload Logo/-Background-Orange-Text-12-Black</a:t>
+            </a:r>
+          </a:p>
+          <a:p>
+            <a:r>
+              <a:rPr lang="en-CA" sz="1400" dirty="0"/>
+              <a:t>Fixed-field-/</a:t>
+            </a:r>
+            <a:r>
+              <a:rPr lang="en-CA" sz="1400" dirty="0">
+                <a:solidFill>
+                  <a:srgbClr val="FF0000"/>
+                </a:solidFill>
+              </a:rPr>
+              <a:t>jpeg</a:t>
+            </a:r>
+            <a:r>
+              <a:rPr lang="en-CA" sz="1400" dirty="0"/>
+              <a:t>/-Background-Grey-Text 12-Black &gt; </a:t>
+            </a:r>
+            <a:r>
+              <a:rPr lang="en-CA" sz="1400" dirty="0">
+                <a:solidFill>
+                  <a:srgbClr val="FF0000"/>
+                </a:solidFill>
+              </a:rPr>
+              <a:t>DB-{Logo}</a:t>
+            </a:r>
+          </a:p>
+          <a:p>
+            <a:endParaRPr lang="en-CA" sz="1400" dirty="0">
+              <a:solidFill>
+                <a:srgbClr val="FF0000"/>
+              </a:solidFill>
+            </a:endParaRPr>
+          </a:p>
+          <a:p>
+            <a:r>
+              <a:rPr lang="en-CA" sz="1400" dirty="0"/>
+              <a:t>Action-button-/Release/-Background-Pink-Text-12-Black &gt; </a:t>
+            </a:r>
+            <a:r>
+              <a:rPr lang="en-CA" sz="1400" dirty="0">
+                <a:solidFill>
+                  <a:srgbClr val="FF0000"/>
+                </a:solidFill>
+              </a:rPr>
+              <a:t>release</a:t>
+            </a:r>
+          </a:p>
+          <a:p>
+            <a:endParaRPr lang="en-CA" sz="1400" dirty="0">
+              <a:solidFill>
+                <a:srgbClr val="FF0000"/>
+              </a:solidFill>
+            </a:endParaRPr>
+          </a:p>
+          <a:p>
+            <a:r>
+              <a:rPr lang="en-CA" sz="1400" dirty="0"/>
+              <a:t>Action-button-/Revision Control/-Background-Pink-Text-12-Black &gt; </a:t>
+            </a:r>
+            <a:r>
+              <a:rPr lang="en-CA" sz="1400" dirty="0">
+                <a:solidFill>
+                  <a:srgbClr val="FF0000"/>
+                </a:solidFill>
+              </a:rPr>
+              <a:t>redirect to [Revision Control]</a:t>
+            </a:r>
+          </a:p>
+          <a:p>
+            <a:endParaRPr lang="en-CA" sz="1400" dirty="0">
+              <a:solidFill>
+                <a:srgbClr val="FF0000"/>
+              </a:solidFill>
+            </a:endParaRPr>
+          </a:p>
+          <a:p>
+            <a:r>
+              <a:rPr lang="en-CA" sz="1400" dirty="0"/>
+              <a:t>Action-button-/Users/-Background-Pink-Text-12-Black &gt; </a:t>
+            </a:r>
+            <a:r>
+              <a:rPr lang="en-CA" sz="1400" dirty="0">
+                <a:solidFill>
+                  <a:srgbClr val="FF0000"/>
+                </a:solidFill>
+              </a:rPr>
+              <a:t>redirect to [Users]</a:t>
+            </a:r>
+          </a:p>
+          <a:p>
+            <a:endParaRPr lang="en-CA" sz="1400" dirty="0"/>
+          </a:p>
+          <a:p>
+            <a:r>
+              <a:rPr lang="en-CA" sz="1400" dirty="0"/>
+              <a:t>Action-button-/Stakeholders/-Background-Pink-Text-12-Black &gt; </a:t>
+            </a:r>
+            <a:r>
+              <a:rPr lang="en-CA" sz="1400" dirty="0">
+                <a:solidFill>
+                  <a:srgbClr val="FF0000"/>
+                </a:solidFill>
+              </a:rPr>
+              <a:t>redirect to [Stakeholders]</a:t>
+            </a:r>
+          </a:p>
+          <a:p>
+            <a:endParaRPr lang="en-CA" sz="1400" dirty="0">
+              <a:solidFill>
+                <a:srgbClr val="FF0000"/>
+              </a:solidFill>
+            </a:endParaRPr>
+          </a:p>
+          <a:p>
+            <a:r>
+              <a:rPr lang="en-CA" sz="1400" dirty="0"/>
+              <a:t>Action-button-/Lead ID/-Background-Pink-Text-12-Black &gt; </a:t>
+            </a:r>
+            <a:r>
+              <a:rPr lang="en-CA" sz="1400" dirty="0">
+                <a:solidFill>
+                  <a:srgbClr val="FF0000"/>
+                </a:solidFill>
+              </a:rPr>
+              <a:t>redirect to [Lead ID]</a:t>
             </a:r>
           </a:p>
         </p:txBody>
